--- a/DOCS/Bemutato.pptx
+++ b/DOCS/Bemutato.pptx
@@ -9,8 +9,8 @@
     <p:sldId id="257" r:id="rId3"/>
     <p:sldId id="258" r:id="rId4"/>
     <p:sldId id="259" r:id="rId5"/>
-    <p:sldId id="261" r:id="rId6"/>
-    <p:sldId id="262" r:id="rId7"/>
+    <p:sldId id="264" r:id="rId6"/>
+    <p:sldId id="261" r:id="rId7"/>
     <p:sldId id="263" r:id="rId8"/>
   </p:sldIdLst>
   <p:sldSz cx="12192000" cy="6858000"/>
@@ -110,6 +110,11 @@
       </a:defRPr>
     </a:lvl9pPr>
   </p:defaultTextStyle>
+  <p:extLst>
+    <p:ext uri="{EFAFB233-063F-42B5-8137-9DF3F51BA10A}">
+      <p15:sldGuideLst xmlns:p15="http://schemas.microsoft.com/office/powerpoint/2012/main"/>
+    </p:ext>
+  </p:extLst>
 </p:presentation>
 </file>
 
@@ -351,7 +356,7 @@
           <a:p>
             <a:fld id="{ED291B17-9318-49DB-B28B-6E5994AE9581}" type="datetime1">
               <a:rPr lang="en-US" smtClean="0"/>
-              <a:t>4/7/2025</a:t>
+              <a:t>4/13/2025</a:t>
             </a:fld>
             <a:endParaRPr lang="en-US" dirty="0"/>
           </a:p>
@@ -554,7 +559,7 @@
           <a:p>
             <a:fld id="{2CED4963-E985-44C4-B8C4-FDD613B7C2F8}" type="datetime1">
               <a:rPr lang="en-US" smtClean="0"/>
-              <a:t>4/7/2025</a:t>
+              <a:t>4/13/2025</a:t>
             </a:fld>
             <a:endParaRPr lang="en-US" dirty="0"/>
           </a:p>
@@ -916,7 +921,7 @@
           <a:p>
             <a:fld id="{ED291B17-9318-49DB-B28B-6E5994AE9581}" type="datetime1">
               <a:rPr lang="en-US" smtClean="0"/>
-              <a:t>4/7/2025</a:t>
+              <a:t>4/13/2025</a:t>
             </a:fld>
             <a:endParaRPr lang="en-US" dirty="0"/>
           </a:p>
@@ -1114,7 +1119,7 @@
           <a:p>
             <a:fld id="{78DD82B9-B8EE-4375-B6FF-88FA6ABB15D9}" type="datetime1">
               <a:rPr lang="en-US" smtClean="0"/>
-              <a:t>4/7/2025</a:t>
+              <a:t>4/13/2025</a:t>
             </a:fld>
             <a:endParaRPr lang="en-US" dirty="0"/>
           </a:p>
@@ -1426,7 +1431,7 @@
           <a:p>
             <a:fld id="{B2497495-0637-405E-AE64-5CC7506D51F5}" type="datetime1">
               <a:rPr lang="en-US" smtClean="0"/>
-              <a:t>4/7/2025</a:t>
+              <a:t>4/13/2025</a:t>
             </a:fld>
             <a:endParaRPr lang="en-US" dirty="0"/>
           </a:p>
@@ -1679,7 +1684,7 @@
           <a:p>
             <a:fld id="{7BFFD690-9426-415D-8B65-26881E07B2D4}" type="datetime1">
               <a:rPr lang="en-US" smtClean="0"/>
-              <a:t>4/7/2025</a:t>
+              <a:t>4/13/2025</a:t>
             </a:fld>
             <a:endParaRPr lang="en-US" dirty="0"/>
           </a:p>
@@ -2101,7 +2106,7 @@
           <a:p>
             <a:fld id="{04C4989A-474C-40DE-95B9-011C28B71673}" type="datetime1">
               <a:rPr lang="en-US" smtClean="0"/>
-              <a:t>4/7/2025</a:t>
+              <a:t>4/13/2025</a:t>
             </a:fld>
             <a:endParaRPr lang="en-US" dirty="0"/>
           </a:p>
@@ -2224,7 +2229,7 @@
           <a:p>
             <a:fld id="{5DB4ED54-5B5E-4A04-93D3-5772E3CE3818}" type="datetime1">
               <a:rPr lang="en-US" smtClean="0"/>
-              <a:t>4/7/2025</a:t>
+              <a:t>4/13/2025</a:t>
             </a:fld>
             <a:endParaRPr lang="en-US" dirty="0"/>
           </a:p>
@@ -2319,7 +2324,7 @@
           <a:p>
             <a:fld id="{4EDE50D6-574B-40AF-946F-D52A04ADE379}" type="datetime1">
               <a:rPr lang="en-US" smtClean="0"/>
-              <a:t>4/7/2025</a:t>
+              <a:t>4/13/2025</a:t>
             </a:fld>
             <a:endParaRPr lang="en-US" dirty="0"/>
           </a:p>
@@ -2696,7 +2701,7 @@
           <a:p>
             <a:fld id="{D82884F1-FFEA-405F-9602-3DCA865EDA4E}" type="datetime1">
               <a:rPr lang="en-US" smtClean="0"/>
-              <a:t>4/7/2025</a:t>
+              <a:t>4/13/2025</a:t>
             </a:fld>
             <a:endParaRPr lang="en-US" dirty="0"/>
           </a:p>
@@ -2989,7 +2994,7 @@
           <a:p>
             <a:fld id="{7E18DB4A-8810-4A10-AD5C-D5E2C667F5B3}" type="datetime1">
               <a:rPr lang="en-US" smtClean="0"/>
-              <a:t>4/7/2025</a:t>
+              <a:t>4/13/2025</a:t>
             </a:fld>
             <a:endParaRPr lang="en-US" dirty="0"/>
           </a:p>
@@ -3207,7 +3212,7 @@
           <a:p>
             <a:fld id="{ED291B17-9318-49DB-B28B-6E5994AE9581}" type="datetime1">
               <a:rPr lang="en-US" smtClean="0"/>
-              <a:t>4/7/2025</a:t>
+              <a:t>4/13/2025</a:t>
             </a:fld>
             <a:endParaRPr lang="en-US" dirty="0"/>
           </a:p>
@@ -4036,13 +4041,42 @@
           <a:lstStyle/>
           <a:p>
             <a:r>
-              <a:rPr lang="hu-HU">
+              <a:rPr lang="hu-HU" dirty="0">
                 <a:solidFill>
                   <a:schemeClr val="tx1"/>
                 </a:solidFill>
               </a:rPr>
-              <a:t>IKT RPG Game – IKT: Survival Week</a:t>
-            </a:r>
+              <a:t>IKT RPG Game – IKT: </a:t>
+            </a:r>
+            <a:r>
+              <a:rPr lang="hu-HU" dirty="0" err="1">
+                <a:solidFill>
+                  <a:schemeClr val="tx1"/>
+                </a:solidFill>
+              </a:rPr>
+              <a:t>Survival</a:t>
+            </a:r>
+            <a:r>
+              <a:rPr lang="hu-HU" dirty="0">
+                <a:solidFill>
+                  <a:schemeClr val="tx1"/>
+                </a:solidFill>
+              </a:rPr>
+              <a:t> </a:t>
+            </a:r>
+            <a:r>
+              <a:rPr lang="hu-HU" dirty="0" err="1">
+                <a:solidFill>
+                  <a:schemeClr val="tx1"/>
+                </a:solidFill>
+              </a:rPr>
+              <a:t>Week</a:t>
+            </a:r>
+            <a:endParaRPr lang="hu-HU" dirty="0">
+              <a:solidFill>
+                <a:schemeClr val="tx1"/>
+              </a:solidFill>
+            </a:endParaRPr>
           </a:p>
         </p:txBody>
       </p:sp>
@@ -4260,13 +4294,13 @@
   <p:clrMapOvr>
     <a:overrideClrMapping bg1="dk1" tx1="lt1" bg2="dk2" tx2="lt2" accent1="accent1" accent2="accent2" accent3="accent3" accent4="accent4" accent5="accent5" accent6="accent6" hlink="hlink" folHlink="folHlink"/>
   </p:clrMapOvr>
-  <mc:AlternateContent xmlns:mc="http://schemas.openxmlformats.org/markup-compatibility/2006">
-    <mc:Choice xmlns:p159="http://schemas.microsoft.com/office/powerpoint/2015/09/main" Requires="p159">
+  <mc:AlternateContent xmlns:mc="http://schemas.openxmlformats.org/markup-compatibility/2006" xmlns:p159="http://schemas.microsoft.com/office/powerpoint/2015/09/main">
+    <mc:Choice Requires="p159">
       <p:transition xmlns:p14="http://schemas.microsoft.com/office/powerpoint/2010/main" spd="slow" p14:dur="2000">
         <p159:morph option="byObject"/>
       </p:transition>
     </mc:Choice>
-    <mc:Fallback>
+    <mc:Fallback xmlns="">
       <p:transition spd="slow">
         <p:fade/>
       </p:transition>
@@ -4775,6 +4809,16 @@
           <a:lstStyle/>
           <a:p>
             <a:r>
+              <a:rPr lang="hu-HU" b="0" i="0" dirty="0">
+                <a:solidFill>
+                  <a:srgbClr val="FFFFFF"/>
+                </a:solidFill>
+                <a:effectLst/>
+                <a:latin typeface="fkGroteskNeue"/>
+              </a:rPr>
+              <a:t>A játékos egy új diák szerepét veszi fel a Neumann János </a:t>
+            </a:r>
+            <a:r>
               <a:rPr lang="hu-HU" b="0" i="0">
                 <a:solidFill>
                   <a:srgbClr val="FFFFFF"/>
@@ -4782,12 +4826,19 @@
                 <a:effectLst/>
                 <a:latin typeface="fkGroteskNeue"/>
               </a:rPr>
-              <a:t>A játékos egy új diák szerepét veszi fel a Neumann János Szakközépiskolában.</a:t>
-            </a:r>
-          </a:p>
-          <a:p>
-            <a:r>
-              <a:rPr lang="hu-HU" b="0" i="0">
+              <a:t>Informatikai Technikumban.</a:t>
+            </a:r>
+            <a:endParaRPr lang="hu-HU" b="0" i="0" dirty="0">
+              <a:solidFill>
+                <a:srgbClr val="FFFFFF"/>
+              </a:solidFill>
+              <a:effectLst/>
+              <a:latin typeface="fkGroteskNeue"/>
+            </a:endParaRPr>
+          </a:p>
+          <a:p>
+            <a:r>
+              <a:rPr lang="hu-HU" b="0" i="0" dirty="0">
                 <a:solidFill>
                   <a:srgbClr val="FFFFFF"/>
                 </a:solidFill>
@@ -4799,7 +4850,7 @@
           </a:p>
           <a:p>
             <a:r>
-              <a:rPr lang="hu-HU" b="0" i="0">
+              <a:rPr lang="hu-HU" b="0" i="0" dirty="0">
                 <a:solidFill>
                   <a:srgbClr val="FFFFFF"/>
                 </a:solidFill>
@@ -5623,13 +5674,13 @@
   <p:clrMapOvr>
     <a:overrideClrMapping bg1="dk1" tx1="lt1" bg2="dk2" tx2="lt2" accent1="accent1" accent2="accent2" accent3="accent3" accent4="accent4" accent5="accent5" accent6="accent6" hlink="hlink" folHlink="folHlink"/>
   </p:clrMapOvr>
-  <mc:AlternateContent xmlns:mc="http://schemas.openxmlformats.org/markup-compatibility/2006">
-    <mc:Choice xmlns:p159="http://schemas.microsoft.com/office/powerpoint/2015/09/main" Requires="p159">
+  <mc:AlternateContent xmlns:mc="http://schemas.openxmlformats.org/markup-compatibility/2006" xmlns:p159="http://schemas.microsoft.com/office/powerpoint/2015/09/main">
+    <mc:Choice Requires="p159">
       <p:transition xmlns:p14="http://schemas.microsoft.com/office/powerpoint/2010/main" spd="slow" p14:dur="2000">
         <p159:morph option="byObject"/>
       </p:transition>
     </mc:Choice>
-    <mc:Fallback>
+    <mc:Fallback xmlns="">
       <p:transition spd="slow">
         <p:fade/>
       </p:transition>
@@ -6050,6 +6101,558 @@
   <p:clrMapOvr>
     <a:masterClrMapping/>
   </p:clrMapOvr>
+  <mc:AlternateContent xmlns:mc="http://schemas.openxmlformats.org/markup-compatibility/2006" xmlns:p159="http://schemas.microsoft.com/office/powerpoint/2015/09/main">
+    <mc:Choice Requires="p159">
+      <p:transition xmlns:p14="http://schemas.microsoft.com/office/powerpoint/2010/main" spd="slow" p14:dur="2000">
+        <p159:morph option="byObject"/>
+      </p:transition>
+    </mc:Choice>
+    <mc:Fallback xmlns="">
+      <p:transition spd="slow">
+        <p:fade/>
+      </p:transition>
+    </mc:Fallback>
+  </mc:AlternateContent>
+</p:sld>
+</file>
+
+<file path=ppt/slides/slide5.xml><?xml version="1.0" encoding="utf-8"?>
+<p:sld xmlns:a="http://schemas.openxmlformats.org/drawingml/2006/main" xmlns:r="http://schemas.openxmlformats.org/officeDocument/2006/relationships" xmlns:p="http://schemas.openxmlformats.org/presentationml/2006/main">
+  <p:cSld>
+    <p:bg>
+      <p:bgPr>
+        <a:solidFill>
+          <a:schemeClr val="bg1"/>
+        </a:solidFill>
+        <a:effectLst/>
+      </p:bgPr>
+    </p:bg>
+    <p:spTree>
+      <p:nvGrpSpPr>
+        <p:cNvPr id="1" name=""/>
+        <p:cNvGrpSpPr/>
+        <p:nvPr/>
+      </p:nvGrpSpPr>
+      <p:grpSpPr>
+        <a:xfrm>
+          <a:off x="0" y="0"/>
+          <a:ext cx="0" cy="0"/>
+          <a:chOff x="0" y="0"/>
+          <a:chExt cx="0" cy="0"/>
+        </a:xfrm>
+      </p:grpSpPr>
+      <p:sp useBgFill="1">
+        <p:nvSpPr>
+          <p:cNvPr id="19" name="Rectangle 18">
+            <a:extLst>
+              <a:ext uri="{FF2B5EF4-FFF2-40B4-BE49-F238E27FC236}">
+                <a16:creationId xmlns:a16="http://schemas.microsoft.com/office/drawing/2014/main" id="{ABB03BCF-53C2-4F78-827D-E6DE86B9066D}"/>
+              </a:ext>
+              <a:ext uri="{C183D7F6-B498-43B3-948B-1728B52AA6E4}">
+                <adec:decorative xmlns:adec="http://schemas.microsoft.com/office/drawing/2017/decorative" val="1"/>
+              </a:ext>
+            </a:extLst>
+          </p:cNvPr>
+          <p:cNvSpPr>
+            <a:spLocks noGrp="1" noRot="1" noChangeAspect="1" noMove="1" noResize="1" noEditPoints="1" noAdjustHandles="1" noChangeArrowheads="1" noChangeShapeType="1" noTextEdit="1"/>
+          </p:cNvSpPr>
+          <p:nvPr>
+            <p:extLst>
+              <p:ext uri="{386F3935-93C4-4BCD-93E2-E3B085C9AB24}">
+                <p16:designElem xmlns:p16="http://schemas.microsoft.com/office/powerpoint/2015/main" val="1"/>
+              </p:ext>
+            </p:extLst>
+          </p:nvPr>
+        </p:nvSpPr>
+        <p:spPr>
+          <a:xfrm>
+            <a:off x="0" y="0"/>
+            <a:ext cx="12192000" cy="6858000"/>
+          </a:xfrm>
+          <a:prstGeom prst="rect">
+            <a:avLst/>
+          </a:prstGeom>
+          <a:ln>
+            <a:noFill/>
+          </a:ln>
+        </p:spPr>
+        <p:style>
+          <a:lnRef idx="2">
+            <a:schemeClr val="accent1">
+              <a:shade val="50000"/>
+            </a:schemeClr>
+          </a:lnRef>
+          <a:fillRef idx="1">
+            <a:schemeClr val="accent1"/>
+          </a:fillRef>
+          <a:effectRef idx="0">
+            <a:schemeClr val="accent1"/>
+          </a:effectRef>
+          <a:fontRef idx="minor">
+            <a:schemeClr val="lt1"/>
+          </a:fontRef>
+        </p:style>
+        <p:txBody>
+          <a:bodyPr rtlCol="0" anchor="ctr"/>
+          <a:lstStyle/>
+          <a:p>
+            <a:pPr algn="ctr"/>
+            <a:endParaRPr lang="en-US"/>
+          </a:p>
+        </p:txBody>
+      </p:sp>
+      <p:sp>
+        <p:nvSpPr>
+          <p:cNvPr id="2" name="Cím 1">
+            <a:extLst>
+              <a:ext uri="{FF2B5EF4-FFF2-40B4-BE49-F238E27FC236}">
+                <a16:creationId xmlns:a16="http://schemas.microsoft.com/office/drawing/2014/main" id="{27E3BB8C-5B3E-8E98-E041-A3B591FDCE20}"/>
+              </a:ext>
+            </a:extLst>
+          </p:cNvPr>
+          <p:cNvSpPr>
+            <a:spLocks noGrp="1"/>
+          </p:cNvSpPr>
+          <p:nvPr>
+            <p:ph type="title"/>
+          </p:nvPr>
+        </p:nvSpPr>
+        <p:spPr>
+          <a:xfrm>
+            <a:off x="581192" y="702155"/>
+            <a:ext cx="3475915" cy="1324537"/>
+          </a:xfrm>
+        </p:spPr>
+        <p:txBody>
+          <a:bodyPr>
+            <a:normAutofit/>
+          </a:bodyPr>
+          <a:lstStyle/>
+          <a:p>
+            <a:r>
+              <a:rPr lang="hu-HU">
+                <a:solidFill>
+                  <a:schemeClr val="tx2"/>
+                </a:solidFill>
+              </a:rPr>
+              <a:t>Design	</a:t>
+            </a:r>
+          </a:p>
+        </p:txBody>
+      </p:sp>
+      <p:sp>
+        <p:nvSpPr>
+          <p:cNvPr id="21" name="Rectangle 20">
+            <a:extLst>
+              <a:ext uri="{FF2B5EF4-FFF2-40B4-BE49-F238E27FC236}">
+                <a16:creationId xmlns:a16="http://schemas.microsoft.com/office/drawing/2014/main" id="{58FC31B1-C9FB-4110-B34B-BC74D8632471}"/>
+              </a:ext>
+              <a:ext uri="{C183D7F6-B498-43B3-948B-1728B52AA6E4}">
+                <adec:decorative xmlns:adec="http://schemas.microsoft.com/office/drawing/2017/decorative" val="1"/>
+              </a:ext>
+            </a:extLst>
+          </p:cNvPr>
+          <p:cNvSpPr>
+            <a:spLocks noGrp="1" noRot="1" noChangeAspect="1" noMove="1" noResize="1" noEditPoints="1" noAdjustHandles="1" noChangeArrowheads="1" noChangeShapeType="1" noTextEdit="1"/>
+          </p:cNvSpPr>
+          <p:nvPr>
+            <p:extLst>
+              <p:ext uri="{386F3935-93C4-4BCD-93E2-E3B085C9AB24}">
+                <p16:designElem xmlns:p16="http://schemas.microsoft.com/office/powerpoint/2015/main" val="1"/>
+              </p:ext>
+            </p:extLst>
+          </p:nvPr>
+        </p:nvSpPr>
+        <p:spPr>
+          <a:xfrm>
+            <a:off x="446534" y="457200"/>
+            <a:ext cx="3703320" cy="94997"/>
+          </a:xfrm>
+          <a:prstGeom prst="rect">
+            <a:avLst/>
+          </a:prstGeom>
+          <a:solidFill>
+            <a:srgbClr val="465359"/>
+          </a:solidFill>
+          <a:ln>
+            <a:noFill/>
+          </a:ln>
+          <a:effectLst/>
+        </p:spPr>
+        <p:style>
+          <a:lnRef idx="1">
+            <a:schemeClr val="accent1"/>
+          </a:lnRef>
+          <a:fillRef idx="3">
+            <a:schemeClr val="accent1"/>
+          </a:fillRef>
+          <a:effectRef idx="2">
+            <a:schemeClr val="accent1"/>
+          </a:effectRef>
+          <a:fontRef idx="minor">
+            <a:schemeClr val="lt1"/>
+          </a:fontRef>
+        </p:style>
+      </p:sp>
+      <p:sp>
+        <p:nvSpPr>
+          <p:cNvPr id="23" name="Rectangle 22">
+            <a:extLst>
+              <a:ext uri="{FF2B5EF4-FFF2-40B4-BE49-F238E27FC236}">
+                <a16:creationId xmlns:a16="http://schemas.microsoft.com/office/drawing/2014/main" id="{6F945249-DD95-405F-8A51-335F3FE031D6}"/>
+              </a:ext>
+              <a:ext uri="{C183D7F6-B498-43B3-948B-1728B52AA6E4}">
+                <adec:decorative xmlns:adec="http://schemas.microsoft.com/office/drawing/2017/decorative" val="1"/>
+              </a:ext>
+            </a:extLst>
+          </p:cNvPr>
+          <p:cNvSpPr>
+            <a:spLocks noGrp="1" noRot="1" noChangeAspect="1" noMove="1" noResize="1" noEditPoints="1" noAdjustHandles="1" noChangeArrowheads="1" noChangeShapeType="1" noTextEdit="1"/>
+          </p:cNvSpPr>
+          <p:nvPr>
+            <p:extLst>
+              <p:ext uri="{386F3935-93C4-4BCD-93E2-E3B085C9AB24}">
+                <p16:designElem xmlns:p16="http://schemas.microsoft.com/office/powerpoint/2015/main" val="1"/>
+              </p:ext>
+            </p:extLst>
+          </p:nvPr>
+        </p:nvSpPr>
+        <p:spPr>
+          <a:xfrm>
+            <a:off x="4241830" y="457200"/>
+            <a:ext cx="3703320" cy="91440"/>
+          </a:xfrm>
+          <a:prstGeom prst="rect">
+            <a:avLst/>
+          </a:prstGeom>
+          <a:solidFill>
+            <a:schemeClr val="accent1"/>
+          </a:solidFill>
+          <a:ln>
+            <a:noFill/>
+          </a:ln>
+          <a:effectLst/>
+        </p:spPr>
+        <p:style>
+          <a:lnRef idx="1">
+            <a:schemeClr val="accent1"/>
+          </a:lnRef>
+          <a:fillRef idx="3">
+            <a:schemeClr val="accent1"/>
+          </a:fillRef>
+          <a:effectRef idx="2">
+            <a:schemeClr val="accent1"/>
+          </a:effectRef>
+          <a:fontRef idx="minor">
+            <a:schemeClr val="lt1"/>
+          </a:fontRef>
+        </p:style>
+      </p:sp>
+      <p:sp>
+        <p:nvSpPr>
+          <p:cNvPr id="25" name="Rectangle 24">
+            <a:extLst>
+              <a:ext uri="{FF2B5EF4-FFF2-40B4-BE49-F238E27FC236}">
+                <a16:creationId xmlns:a16="http://schemas.microsoft.com/office/drawing/2014/main" id="{31EDC20E-2FBC-4FDF-97C1-181B08DC8AE1}"/>
+              </a:ext>
+              <a:ext uri="{C183D7F6-B498-43B3-948B-1728B52AA6E4}">
+                <adec:decorative xmlns:adec="http://schemas.microsoft.com/office/drawing/2017/decorative" val="1"/>
+              </a:ext>
+            </a:extLst>
+          </p:cNvPr>
+          <p:cNvSpPr>
+            <a:spLocks noGrp="1" noRot="1" noChangeAspect="1" noMove="1" noResize="1" noEditPoints="1" noAdjustHandles="1" noChangeArrowheads="1" noChangeShapeType="1" noTextEdit="1"/>
+          </p:cNvSpPr>
+          <p:nvPr>
+            <p:extLst>
+              <p:ext uri="{386F3935-93C4-4BCD-93E2-E3B085C9AB24}">
+                <p16:designElem xmlns:p16="http://schemas.microsoft.com/office/powerpoint/2015/main" val="1"/>
+              </p:ext>
+            </p:extLst>
+          </p:nvPr>
+        </p:nvSpPr>
+        <p:spPr>
+          <a:xfrm>
+            <a:off x="8042147" y="453643"/>
+            <a:ext cx="3703320" cy="98554"/>
+          </a:xfrm>
+          <a:prstGeom prst="rect">
+            <a:avLst/>
+          </a:prstGeom>
+          <a:solidFill>
+            <a:srgbClr val="969FA7"/>
+          </a:solidFill>
+          <a:ln>
+            <a:noFill/>
+          </a:ln>
+          <a:effectLst/>
+        </p:spPr>
+        <p:style>
+          <a:lnRef idx="1">
+            <a:schemeClr val="accent1"/>
+          </a:lnRef>
+          <a:fillRef idx="3">
+            <a:schemeClr val="accent1"/>
+          </a:fillRef>
+          <a:effectRef idx="2">
+            <a:schemeClr val="accent1"/>
+          </a:effectRef>
+          <a:fontRef idx="minor">
+            <a:schemeClr val="lt1"/>
+          </a:fontRef>
+        </p:style>
+      </p:sp>
+      <p:sp>
+        <p:nvSpPr>
+          <p:cNvPr id="3" name="Tartalom helye 2">
+            <a:extLst>
+              <a:ext uri="{FF2B5EF4-FFF2-40B4-BE49-F238E27FC236}">
+                <a16:creationId xmlns:a16="http://schemas.microsoft.com/office/drawing/2014/main" id="{8971EC69-4320-4ABC-DDBE-063BA70F044C}"/>
+              </a:ext>
+            </a:extLst>
+          </p:cNvPr>
+          <p:cNvSpPr>
+            <a:spLocks noGrp="1"/>
+          </p:cNvSpPr>
+          <p:nvPr>
+            <p:ph idx="1"/>
+          </p:nvPr>
+        </p:nvSpPr>
+        <p:spPr>
+          <a:xfrm>
+            <a:off x="581192" y="2180496"/>
+            <a:ext cx="3475915" cy="3678303"/>
+          </a:xfrm>
+        </p:spPr>
+        <p:txBody>
+          <a:bodyPr>
+            <a:normAutofit/>
+          </a:bodyPr>
+          <a:lstStyle/>
+          <a:p>
+            <a:pPr>
+              <a:buClr>
+                <a:srgbClr val="3C88DE"/>
+              </a:buClr>
+            </a:pPr>
+            <a:r>
+              <a:rPr lang="hu-HU" dirty="0"/>
+              <a:t>A dizájnunk nagyon modern és újszerű</a:t>
+            </a:r>
+          </a:p>
+          <a:p>
+            <a:pPr>
+              <a:buClr>
+                <a:srgbClr val="3C88DE"/>
+              </a:buClr>
+            </a:pPr>
+            <a:r>
+              <a:rPr lang="hu-HU" dirty="0"/>
+              <a:t>Kizárólag </a:t>
+            </a:r>
+            <a:r>
+              <a:rPr lang="hu-HU" dirty="0" err="1"/>
+              <a:t>Consolos</a:t>
+            </a:r>
+            <a:r>
+              <a:rPr lang="hu-HU" dirty="0"/>
+              <a:t> megoldással lesz megoldva</a:t>
+            </a:r>
+          </a:p>
+          <a:p>
+            <a:pPr>
+              <a:buClr>
+                <a:srgbClr val="3C88DE"/>
+              </a:buClr>
+            </a:pPr>
+            <a:r>
+              <a:rPr lang="hu-HU" dirty="0"/>
+              <a:t>ASCII-ART-</a:t>
+            </a:r>
+            <a:r>
+              <a:rPr lang="hu-HU" dirty="0" err="1"/>
+              <a:t>al</a:t>
+            </a:r>
+            <a:r>
+              <a:rPr lang="hu-HU" dirty="0"/>
+              <a:t> lesz megoldva</a:t>
+            </a:r>
+          </a:p>
+          <a:p>
+            <a:pPr>
+              <a:buClr>
+                <a:srgbClr val="3C88DE"/>
+              </a:buClr>
+            </a:pPr>
+            <a:r>
+              <a:rPr lang="hu-HU" dirty="0"/>
+              <a:t>Lesznek osztálytermek és folyosók</a:t>
+            </a:r>
+          </a:p>
+        </p:txBody>
+      </p:sp>
+      <p:pic>
+        <p:nvPicPr>
+          <p:cNvPr id="14" name="Kép 13">
+            <a:extLst>
+              <a:ext uri="{FF2B5EF4-FFF2-40B4-BE49-F238E27FC236}">
+                <a16:creationId xmlns:a16="http://schemas.microsoft.com/office/drawing/2014/main" id="{07270695-DC2B-51B5-8A28-CE1AA0C9C254}"/>
+              </a:ext>
+            </a:extLst>
+          </p:cNvPr>
+          <p:cNvPicPr>
+            <a:picLocks noChangeAspect="1"/>
+          </p:cNvPicPr>
+          <p:nvPr/>
+        </p:nvPicPr>
+        <p:blipFill>
+          <a:blip r:embed="rId2"/>
+          <a:srcRect t="29183" r="-1" b="-1"/>
+          <a:stretch/>
+        </p:blipFill>
+        <p:spPr>
+          <a:xfrm>
+            <a:off x="4241823" y="628647"/>
+            <a:ext cx="7503638" cy="3520440"/>
+          </a:xfrm>
+          <a:prstGeom prst="rect">
+            <a:avLst/>
+          </a:prstGeom>
+        </p:spPr>
+      </p:pic>
+      <p:pic>
+        <p:nvPicPr>
+          <p:cNvPr id="12" name="Kép 11">
+            <a:extLst>
+              <a:ext uri="{FF2B5EF4-FFF2-40B4-BE49-F238E27FC236}">
+                <a16:creationId xmlns:a16="http://schemas.microsoft.com/office/drawing/2014/main" id="{4D9AB3E5-451E-18B6-4C28-634A41252183}"/>
+              </a:ext>
+            </a:extLst>
+          </p:cNvPr>
+          <p:cNvPicPr>
+            <a:picLocks noChangeAspect="1"/>
+          </p:cNvPicPr>
+          <p:nvPr/>
+        </p:nvPicPr>
+        <p:blipFill>
+          <a:blip r:embed="rId3"/>
+          <a:srcRect r="2" b="30956"/>
+          <a:stretch/>
+        </p:blipFill>
+        <p:spPr>
+          <a:xfrm>
+            <a:off x="4245216" y="4233673"/>
+            <a:ext cx="2445714" cy="2140276"/>
+          </a:xfrm>
+          <a:prstGeom prst="rect">
+            <a:avLst/>
+          </a:prstGeom>
+        </p:spPr>
+      </p:pic>
+      <p:pic>
+        <p:nvPicPr>
+          <p:cNvPr id="8" name="Kép 7">
+            <a:extLst>
+              <a:ext uri="{FF2B5EF4-FFF2-40B4-BE49-F238E27FC236}">
+                <a16:creationId xmlns:a16="http://schemas.microsoft.com/office/drawing/2014/main" id="{25251C2E-C859-47B4-522E-CA81EAB9BF8F}"/>
+              </a:ext>
+            </a:extLst>
+          </p:cNvPr>
+          <p:cNvPicPr>
+            <a:picLocks noChangeAspect="1"/>
+          </p:cNvPicPr>
+          <p:nvPr/>
+        </p:nvPicPr>
+        <p:blipFill>
+          <a:blip r:embed="rId4"/>
+          <a:srcRect t="39899" b="35446"/>
+          <a:stretch/>
+        </p:blipFill>
+        <p:spPr>
+          <a:xfrm>
+            <a:off x="6772424" y="4225510"/>
+            <a:ext cx="2445714" cy="2140277"/>
+          </a:xfrm>
+          <a:prstGeom prst="rect">
+            <a:avLst/>
+          </a:prstGeom>
+        </p:spPr>
+      </p:pic>
+      <p:pic>
+        <p:nvPicPr>
+          <p:cNvPr id="10" name="Kép 9">
+            <a:extLst>
+              <a:ext uri="{FF2B5EF4-FFF2-40B4-BE49-F238E27FC236}">
+                <a16:creationId xmlns:a16="http://schemas.microsoft.com/office/drawing/2014/main" id="{51B9755C-91A6-A074-5044-8A5C47D69C90}"/>
+              </a:ext>
+            </a:extLst>
+          </p:cNvPr>
+          <p:cNvPicPr>
+            <a:picLocks noChangeAspect="1"/>
+          </p:cNvPicPr>
+          <p:nvPr/>
+        </p:nvPicPr>
+        <p:blipFill>
+          <a:blip r:embed="rId5"/>
+          <a:srcRect t="30711" r="2" b="45844"/>
+          <a:stretch/>
+        </p:blipFill>
+        <p:spPr>
+          <a:xfrm>
+            <a:off x="9299633" y="4233672"/>
+            <a:ext cx="2445714" cy="2140276"/>
+          </a:xfrm>
+          <a:prstGeom prst="rect">
+            <a:avLst/>
+          </a:prstGeom>
+        </p:spPr>
+      </p:pic>
+      <p:pic>
+        <p:nvPicPr>
+          <p:cNvPr id="20" name="Kép 19" descr="A képen személy, Emberi arc, számítógép, computer látható&#10;&#10;Automatikusan generált leírás">
+            <a:extLst>
+              <a:ext uri="{FF2B5EF4-FFF2-40B4-BE49-F238E27FC236}">
+                <a16:creationId xmlns:a16="http://schemas.microsoft.com/office/drawing/2014/main" id="{2647669E-2922-920D-392E-1D7F4F78D951}"/>
+              </a:ext>
+            </a:extLst>
+          </p:cNvPr>
+          <p:cNvPicPr>
+            <a:picLocks noChangeAspect="1"/>
+          </p:cNvPicPr>
+          <p:nvPr/>
+        </p:nvPicPr>
+        <p:blipFill>
+          <a:blip r:embed="rId6">
+            <a:extLst>
+              <a:ext uri="{28A0092B-C50C-407E-A947-70E740481C1C}">
+                <a14:useLocalDpi xmlns:a14="http://schemas.microsoft.com/office/drawing/2010/main" val="0"/>
+              </a:ext>
+            </a:extLst>
+          </a:blip>
+          <a:stretch>
+            <a:fillRect/>
+          </a:stretch>
+        </p:blipFill>
+        <p:spPr>
+          <a:xfrm>
+            <a:off x="9828625" y="4385815"/>
+            <a:ext cx="1572495" cy="1988133"/>
+          </a:xfrm>
+          <a:prstGeom prst="rect">
+            <a:avLst/>
+          </a:prstGeom>
+        </p:spPr>
+      </p:pic>
+    </p:spTree>
+    <p:extLst>
+      <p:ext uri="{BB962C8B-B14F-4D97-AF65-F5344CB8AC3E}">
+        <p14:creationId xmlns:p14="http://schemas.microsoft.com/office/powerpoint/2010/main" val="1206805646"/>
+      </p:ext>
+    </p:extLst>
+  </p:cSld>
+  <p:clrMapOvr>
+    <a:masterClrMapping/>
+  </p:clrMapOvr>
   <mc:AlternateContent xmlns:mc="http://schemas.openxmlformats.org/markup-compatibility/2006">
     <mc:Choice xmlns:p159="http://schemas.microsoft.com/office/powerpoint/2015/09/main" Requires="p159">
       <p:transition xmlns:p14="http://schemas.microsoft.com/office/powerpoint/2010/main" spd="slow" p14:dur="2000">
@@ -6065,7 +6668,7 @@
 </p:sld>
 </file>
 
-<file path=ppt/slides/slide5.xml><?xml version="1.0" encoding="utf-8"?>
+<file path=ppt/slides/slide6.xml><?xml version="1.0" encoding="utf-8"?>
 <p:sld xmlns:a="http://schemas.openxmlformats.org/drawingml/2006/main" xmlns:r="http://schemas.openxmlformats.org/officeDocument/2006/relationships" xmlns:p="http://schemas.openxmlformats.org/presentationml/2006/main">
   <p:cSld>
     <p:bg>
@@ -6425,8 +7028,8 @@
           </a:stretch>
         </p:blipFill>
         <p:spPr>
-          <a:xfrm>
-            <a:off x="8383716" y="7532487"/>
+          <a:xfrm rot="2781538">
+            <a:off x="13746198" y="2529342"/>
             <a:ext cx="1308327" cy="2282043"/>
           </a:xfrm>
           <a:prstGeom prst="rect">
@@ -6470,123 +7073,6 @@
           </a:prstGeom>
         </p:spPr>
       </p:pic>
-      <p:sp>
-        <p:nvSpPr>
-          <p:cNvPr id="7" name="Szövegdoboz 6">
-            <a:extLst>
-              <a:ext uri="{FF2B5EF4-FFF2-40B4-BE49-F238E27FC236}">
-                <a16:creationId xmlns:a16="http://schemas.microsoft.com/office/drawing/2014/main" id="{F953429A-698B-D728-F64A-2E2ABF28E5B0}"/>
-              </a:ext>
-            </a:extLst>
-          </p:cNvPr>
-          <p:cNvSpPr txBox="1"/>
-          <p:nvPr/>
-        </p:nvSpPr>
-        <p:spPr>
-          <a:xfrm>
-            <a:off x="9762363" y="8119510"/>
-            <a:ext cx="1672253" cy="369332"/>
-          </a:xfrm>
-          <a:prstGeom prst="rect">
-            <a:avLst/>
-          </a:prstGeom>
-          <a:noFill/>
-        </p:spPr>
-        <p:txBody>
-          <a:bodyPr wrap="none" rtlCol="0">
-            <a:spAutoFit/>
-          </a:bodyPr>
-          <a:lstStyle/>
-          <a:p>
-            <a:r>
-              <a:rPr lang="hu-HU" dirty="0">
-                <a:solidFill>
-                  <a:srgbClr val="FFC000"/>
-                </a:solidFill>
-              </a:rPr>
-              <a:t>Fehér Marcell</a:t>
-            </a:r>
-          </a:p>
-        </p:txBody>
-      </p:sp>
-      <p:sp>
-        <p:nvSpPr>
-          <p:cNvPr id="15" name="Szövegdoboz 14">
-            <a:extLst>
-              <a:ext uri="{FF2B5EF4-FFF2-40B4-BE49-F238E27FC236}">
-                <a16:creationId xmlns:a16="http://schemas.microsoft.com/office/drawing/2014/main" id="{DC15F851-9BE0-90B0-1446-509A2F919F6D}"/>
-              </a:ext>
-            </a:extLst>
-          </p:cNvPr>
-          <p:cNvSpPr txBox="1"/>
-          <p:nvPr/>
-        </p:nvSpPr>
-        <p:spPr>
-          <a:xfrm>
-            <a:off x="614066" y="8119510"/>
-            <a:ext cx="2300630" cy="369332"/>
-          </a:xfrm>
-          <a:prstGeom prst="rect">
-            <a:avLst/>
-          </a:prstGeom>
-          <a:noFill/>
-        </p:spPr>
-        <p:txBody>
-          <a:bodyPr wrap="none" rtlCol="0">
-            <a:spAutoFit/>
-          </a:bodyPr>
-          <a:lstStyle/>
-          <a:p>
-            <a:r>
-              <a:rPr lang="hu-HU" dirty="0">
-                <a:solidFill>
-                  <a:srgbClr val="FFC000"/>
-                </a:solidFill>
-              </a:rPr>
-              <a:t>Solti Csongor Péter</a:t>
-            </a:r>
-          </a:p>
-        </p:txBody>
-      </p:sp>
-      <p:sp>
-        <p:nvSpPr>
-          <p:cNvPr id="16" name="Szövegdoboz 15">
-            <a:extLst>
-              <a:ext uri="{FF2B5EF4-FFF2-40B4-BE49-F238E27FC236}">
-                <a16:creationId xmlns:a16="http://schemas.microsoft.com/office/drawing/2014/main" id="{952FAEEA-1972-F9D6-D691-31DA58B295C1}"/>
-              </a:ext>
-            </a:extLst>
-          </p:cNvPr>
-          <p:cNvSpPr txBox="1"/>
-          <p:nvPr/>
-        </p:nvSpPr>
-        <p:spPr>
-          <a:xfrm>
-            <a:off x="4977745" y="8119510"/>
-            <a:ext cx="2236510" cy="369332"/>
-          </a:xfrm>
-          <a:prstGeom prst="rect">
-            <a:avLst/>
-          </a:prstGeom>
-          <a:noFill/>
-        </p:spPr>
-        <p:txBody>
-          <a:bodyPr wrap="none" rtlCol="0">
-            <a:spAutoFit/>
-          </a:bodyPr>
-          <a:lstStyle/>
-          <a:p>
-            <a:r>
-              <a:rPr lang="hu-HU" dirty="0">
-                <a:solidFill>
-                  <a:srgbClr val="FFC000"/>
-                </a:solidFill>
-              </a:rPr>
-              <a:t>Polyák Dávid Attila</a:t>
-            </a:r>
-          </a:p>
-        </p:txBody>
-      </p:sp>
     </p:spTree>
     <p:extLst>
       <p:ext uri="{BB962C8B-B14F-4D97-AF65-F5344CB8AC3E}">
@@ -6597,322 +7083,13 @@
   <p:clrMapOvr>
     <a:overrideClrMapping bg1="dk1" tx1="lt1" bg2="dk2" tx2="lt2" accent1="accent1" accent2="accent2" accent3="accent3" accent4="accent4" accent5="accent5" accent6="accent6" hlink="hlink" folHlink="folHlink"/>
   </p:clrMapOvr>
-  <mc:AlternateContent xmlns:mc="http://schemas.openxmlformats.org/markup-compatibility/2006">
-    <mc:Choice xmlns:p159="http://schemas.microsoft.com/office/powerpoint/2015/09/main" Requires="p159">
+  <mc:AlternateContent xmlns:mc="http://schemas.openxmlformats.org/markup-compatibility/2006" xmlns:p159="http://schemas.microsoft.com/office/powerpoint/2015/09/main">
+    <mc:Choice Requires="p159">
       <p:transition xmlns:p14="http://schemas.microsoft.com/office/powerpoint/2010/main" spd="slow" p14:dur="2000">
         <p159:morph option="byObject"/>
       </p:transition>
     </mc:Choice>
-    <mc:Fallback>
-      <p:transition spd="slow">
-        <p:fade/>
-      </p:transition>
-    </mc:Fallback>
-  </mc:AlternateContent>
-</p:sld>
-</file>
-
-<file path=ppt/slides/slide6.xml><?xml version="1.0" encoding="utf-8"?>
-<p:sld xmlns:a="http://schemas.openxmlformats.org/drawingml/2006/main" xmlns:r="http://schemas.openxmlformats.org/officeDocument/2006/relationships" xmlns:p="http://schemas.openxmlformats.org/presentationml/2006/main">
-  <p:cSld>
-    <p:bg>
-      <p:bgPr>
-        <a:solidFill>
-          <a:schemeClr val="tx2">
-            <a:lumMod val="75000"/>
-          </a:schemeClr>
-        </a:solidFill>
-        <a:effectLst/>
-      </p:bgPr>
-    </p:bg>
-    <p:spTree>
-      <p:nvGrpSpPr>
-        <p:cNvPr id="1" name=""/>
-        <p:cNvGrpSpPr/>
-        <p:nvPr/>
-      </p:nvGrpSpPr>
-      <p:grpSpPr>
-        <a:xfrm>
-          <a:off x="0" y="0"/>
-          <a:ext cx="0" cy="0"/>
-          <a:chOff x="0" y="0"/>
-          <a:chExt cx="0" cy="0"/>
-        </a:xfrm>
-      </p:grpSpPr>
-      <p:sp>
-        <p:nvSpPr>
-          <p:cNvPr id="2" name="Cím 1">
-            <a:extLst>
-              <a:ext uri="{FF2B5EF4-FFF2-40B4-BE49-F238E27FC236}">
-                <a16:creationId xmlns:a16="http://schemas.microsoft.com/office/drawing/2014/main" id="{9F5AA491-7CA6-2B12-8811-FE74213A2FED}"/>
-              </a:ext>
-            </a:extLst>
-          </p:cNvPr>
-          <p:cNvSpPr>
-            <a:spLocks noGrp="1"/>
-          </p:cNvSpPr>
-          <p:nvPr>
-            <p:ph type="title"/>
-          </p:nvPr>
-        </p:nvSpPr>
-        <p:spPr/>
-        <p:txBody>
-          <a:bodyPr/>
-          <a:lstStyle/>
-          <a:p>
-            <a:r>
-              <a:rPr lang="hu-HU" dirty="0">
-                <a:solidFill>
-                  <a:schemeClr val="bg1"/>
-                </a:solidFill>
-              </a:rPr>
-              <a:t>A Csapatunk</a:t>
-            </a:r>
-          </a:p>
-        </p:txBody>
-      </p:sp>
-      <p:pic>
-        <p:nvPicPr>
-          <p:cNvPr id="4" name="Kép 3" descr="A képen Emberi arc, személy, portré, ruházat látható&#10;&#10;Automatikusan generált leírás">
-            <a:extLst>
-              <a:ext uri="{FF2B5EF4-FFF2-40B4-BE49-F238E27FC236}">
-                <a16:creationId xmlns:a16="http://schemas.microsoft.com/office/drawing/2014/main" id="{52640597-1F62-2859-D908-CED14E314EF3}"/>
-              </a:ext>
-            </a:extLst>
-          </p:cNvPr>
-          <p:cNvPicPr>
-            <a:picLocks noChangeAspect="1"/>
-          </p:cNvPicPr>
-          <p:nvPr/>
-        </p:nvPicPr>
-        <p:blipFill>
-          <a:blip r:embed="rId2">
-            <a:extLst>
-              <a:ext uri="{28A0092B-C50C-407E-A947-70E740481C1C}">
-                <a14:useLocalDpi xmlns:a14="http://schemas.microsoft.com/office/drawing/2010/main" val="0"/>
-              </a:ext>
-            </a:extLst>
-          </a:blip>
-          <a:stretch>
-            <a:fillRect/>
-          </a:stretch>
-        </p:blipFill>
-        <p:spPr>
-          <a:xfrm>
-            <a:off x="5069016" y="4575957"/>
-            <a:ext cx="1308327" cy="2282043"/>
-          </a:xfrm>
-          <a:prstGeom prst="rect">
-            <a:avLst/>
-          </a:prstGeom>
-        </p:spPr>
-      </p:pic>
-      <p:pic>
-        <p:nvPicPr>
-          <p:cNvPr id="5" name="Kép 4" descr="A képen személy, Emberi arc, ruházat, szemüvegek látható&#10;&#10;Automatikusan generált leírás">
-            <a:extLst>
-              <a:ext uri="{FF2B5EF4-FFF2-40B4-BE49-F238E27FC236}">
-                <a16:creationId xmlns:a16="http://schemas.microsoft.com/office/drawing/2014/main" id="{33588D7A-53A7-9757-8E0D-C46141D26BF8}"/>
-              </a:ext>
-            </a:extLst>
-          </p:cNvPr>
-          <p:cNvPicPr>
-            <a:picLocks noChangeAspect="1"/>
-          </p:cNvPicPr>
-          <p:nvPr/>
-        </p:nvPicPr>
-        <p:blipFill>
-          <a:blip r:embed="rId3">
-            <a:extLst>
-              <a:ext uri="{28A0092B-C50C-407E-A947-70E740481C1C}">
-                <a14:useLocalDpi xmlns:a14="http://schemas.microsoft.com/office/drawing/2010/main" val="0"/>
-              </a:ext>
-            </a:extLst>
-          </a:blip>
-          <a:stretch>
-            <a:fillRect/>
-          </a:stretch>
-        </p:blipFill>
-        <p:spPr>
-          <a:xfrm>
-            <a:off x="581192" y="5195433"/>
-            <a:ext cx="2096932" cy="1662567"/>
-          </a:xfrm>
-          <a:prstGeom prst="rect">
-            <a:avLst/>
-          </a:prstGeom>
-        </p:spPr>
-      </p:pic>
-      <p:pic>
-        <p:nvPicPr>
-          <p:cNvPr id="6" name="Kép 5" descr="A képen személy, Emberi arc, számítógép, computer látható&#10;&#10;Automatikusan generált leírás">
-            <a:extLst>
-              <a:ext uri="{FF2B5EF4-FFF2-40B4-BE49-F238E27FC236}">
-                <a16:creationId xmlns:a16="http://schemas.microsoft.com/office/drawing/2014/main" id="{94B4C2CC-E8A8-16A2-8707-47CF88E03AEE}"/>
-              </a:ext>
-            </a:extLst>
-          </p:cNvPr>
-          <p:cNvPicPr>
-            <a:picLocks noChangeAspect="1"/>
-          </p:cNvPicPr>
-          <p:nvPr/>
-        </p:nvPicPr>
-        <p:blipFill>
-          <a:blip r:embed="rId4">
-            <a:extLst>
-              <a:ext uri="{28A0092B-C50C-407E-A947-70E740481C1C}">
-                <a14:useLocalDpi xmlns:a14="http://schemas.microsoft.com/office/drawing/2010/main" val="0"/>
-              </a:ext>
-            </a:extLst>
-          </a:blip>
-          <a:stretch>
-            <a:fillRect/>
-          </a:stretch>
-        </p:blipFill>
-        <p:spPr>
-          <a:xfrm>
-            <a:off x="9198866" y="4052654"/>
-            <a:ext cx="2218862" cy="2805346"/>
-          </a:xfrm>
-          <a:prstGeom prst="rect">
-            <a:avLst/>
-          </a:prstGeom>
-        </p:spPr>
-      </p:pic>
-      <p:sp>
-        <p:nvSpPr>
-          <p:cNvPr id="7" name="Szövegdoboz 6">
-            <a:extLst>
-              <a:ext uri="{FF2B5EF4-FFF2-40B4-BE49-F238E27FC236}">
-                <a16:creationId xmlns:a16="http://schemas.microsoft.com/office/drawing/2014/main" id="{49618E2E-B449-15A4-BDA2-B38221513688}"/>
-              </a:ext>
-            </a:extLst>
-          </p:cNvPr>
-          <p:cNvSpPr txBox="1"/>
-          <p:nvPr/>
-        </p:nvSpPr>
-        <p:spPr>
-          <a:xfrm>
-            <a:off x="774272" y="4535132"/>
-            <a:ext cx="2300630" cy="369332"/>
-          </a:xfrm>
-          <a:prstGeom prst="rect">
-            <a:avLst/>
-          </a:prstGeom>
-          <a:noFill/>
-        </p:spPr>
-        <p:txBody>
-          <a:bodyPr wrap="none" rtlCol="0">
-            <a:spAutoFit/>
-          </a:bodyPr>
-          <a:lstStyle/>
-          <a:p>
-            <a:r>
-              <a:rPr lang="hu-HU" dirty="0">
-                <a:solidFill>
-                  <a:srgbClr val="FFC000"/>
-                </a:solidFill>
-              </a:rPr>
-              <a:t>Solti Csongor Péter</a:t>
-            </a:r>
-          </a:p>
-        </p:txBody>
-      </p:sp>
-      <p:sp>
-        <p:nvSpPr>
-          <p:cNvPr id="8" name="Szövegdoboz 7">
-            <a:extLst>
-              <a:ext uri="{FF2B5EF4-FFF2-40B4-BE49-F238E27FC236}">
-                <a16:creationId xmlns:a16="http://schemas.microsoft.com/office/drawing/2014/main" id="{2D1A1C06-8B5F-A886-9653-862C3E27D0AA}"/>
-              </a:ext>
-            </a:extLst>
-          </p:cNvPr>
-          <p:cNvSpPr txBox="1"/>
-          <p:nvPr/>
-        </p:nvSpPr>
-        <p:spPr>
-          <a:xfrm>
-            <a:off x="4822638" y="4098915"/>
-            <a:ext cx="2236510" cy="369332"/>
-          </a:xfrm>
-          <a:prstGeom prst="rect">
-            <a:avLst/>
-          </a:prstGeom>
-          <a:noFill/>
-        </p:spPr>
-        <p:txBody>
-          <a:bodyPr wrap="none" rtlCol="0">
-            <a:spAutoFit/>
-          </a:bodyPr>
-          <a:lstStyle/>
-          <a:p>
-            <a:r>
-              <a:rPr lang="hu-HU" dirty="0">
-                <a:solidFill>
-                  <a:srgbClr val="FFC000"/>
-                </a:solidFill>
-              </a:rPr>
-              <a:t>Polyák Dávid Attila</a:t>
-            </a:r>
-          </a:p>
-        </p:txBody>
-      </p:sp>
-      <p:sp>
-        <p:nvSpPr>
-          <p:cNvPr id="9" name="Szövegdoboz 8">
-            <a:extLst>
-              <a:ext uri="{FF2B5EF4-FFF2-40B4-BE49-F238E27FC236}">
-                <a16:creationId xmlns:a16="http://schemas.microsoft.com/office/drawing/2014/main" id="{67503479-26DA-C61B-69C6-98F6026EACB8}"/>
-              </a:ext>
-            </a:extLst>
-          </p:cNvPr>
-          <p:cNvSpPr txBox="1"/>
-          <p:nvPr/>
-        </p:nvSpPr>
-        <p:spPr>
-          <a:xfrm>
-            <a:off x="9602706" y="3478231"/>
-            <a:ext cx="1672253" cy="369332"/>
-          </a:xfrm>
-          <a:prstGeom prst="rect">
-            <a:avLst/>
-          </a:prstGeom>
-          <a:noFill/>
-        </p:spPr>
-        <p:txBody>
-          <a:bodyPr wrap="none" rtlCol="0">
-            <a:spAutoFit/>
-          </a:bodyPr>
-          <a:lstStyle/>
-          <a:p>
-            <a:r>
-              <a:rPr lang="hu-HU" dirty="0">
-                <a:solidFill>
-                  <a:srgbClr val="FFC000"/>
-                </a:solidFill>
-              </a:rPr>
-              <a:t>Fehér Marcell</a:t>
-            </a:r>
-          </a:p>
-        </p:txBody>
-      </p:sp>
-    </p:spTree>
-    <p:extLst>
-      <p:ext uri="{BB962C8B-B14F-4D97-AF65-F5344CB8AC3E}">
-        <p14:creationId xmlns:p14="http://schemas.microsoft.com/office/powerpoint/2010/main" val="3024132456"/>
-      </p:ext>
-    </p:extLst>
-  </p:cSld>
-  <p:clrMapOvr>
-    <a:masterClrMapping/>
-  </p:clrMapOvr>
-  <mc:AlternateContent xmlns:mc="http://schemas.openxmlformats.org/markup-compatibility/2006">
-    <mc:Choice xmlns:p159="http://schemas.microsoft.com/office/powerpoint/2015/09/main" Requires="p159">
-      <p:transition xmlns:p14="http://schemas.microsoft.com/office/powerpoint/2010/main" spd="slow" p14:dur="2000">
-        <p159:morph option="byObject"/>
-      </p:transition>
-    </mc:Choice>
-    <mc:Fallback>
+    <mc:Fallback xmlns="">
       <p:transition spd="slow">
         <p:fade/>
       </p:transition>
@@ -7327,13 +7504,13 @@
   <p:clrMapOvr>
     <a:overrideClrMapping bg1="dk1" tx1="lt1" bg2="dk2" tx2="lt2" accent1="accent1" accent2="accent2" accent3="accent3" accent4="accent4" accent5="accent5" accent6="accent6" hlink="hlink" folHlink="folHlink"/>
   </p:clrMapOvr>
-  <mc:AlternateContent xmlns:mc="http://schemas.openxmlformats.org/markup-compatibility/2006">
-    <mc:Choice xmlns:p159="http://schemas.microsoft.com/office/powerpoint/2015/09/main" Requires="p159">
+  <mc:AlternateContent xmlns:mc="http://schemas.openxmlformats.org/markup-compatibility/2006" xmlns:p159="http://schemas.microsoft.com/office/powerpoint/2015/09/main">
+    <mc:Choice Requires="p159">
       <p:transition xmlns:p14="http://schemas.microsoft.com/office/powerpoint/2010/main" spd="slow" p14:dur="2000">
         <p159:morph option="byObject"/>
       </p:transition>
     </mc:Choice>
-    <mc:Fallback>
+    <mc:Fallback xmlns="">
       <p:transition spd="slow">
         <p:fade/>
       </p:transition>
